--- a/materials/slides/ch04.pptx
+++ b/materials/slides/ch04.pptx
@@ -40,20 +40,20 @@
   <p:notesSz cx="6858000" cy="9144000"/>
   <p:embeddedFontLst>
     <p:embeddedFont>
+      <p:font typeface="Calibri" panose="020F0502020204030204" pitchFamily="34" charset="0"/>
+      <p:regular r:id="rId30"/>
+      <p:bold r:id="rId31"/>
+      <p:italic r:id="rId32"/>
+      <p:boldItalic r:id="rId33"/>
+    </p:embeddedFont>
+    <p:embeddedFont>
       <p:font typeface="黑体" panose="02010609060101010101" pitchFamily="49" charset="-122"/>
-      <p:regular r:id="rId30"/>
+      <p:regular r:id="rId34"/>
     </p:embeddedFont>
     <p:embeddedFont>
       <p:font typeface="微软雅黑" panose="020B0503020204020204" pitchFamily="34" charset="-122"/>
-      <p:regular r:id="rId31"/>
-      <p:bold r:id="rId32"/>
-    </p:embeddedFont>
-    <p:embeddedFont>
-      <p:font typeface="Calibri" panose="020F0502020204030204" pitchFamily="34" charset="0"/>
-      <p:regular r:id="rId33"/>
-      <p:bold r:id="rId34"/>
-      <p:italic r:id="rId35"/>
-      <p:boldItalic r:id="rId36"/>
+      <p:regular r:id="rId35"/>
+      <p:bold r:id="rId36"/>
     </p:embeddedFont>
   </p:embeddedFontLst>
   <p:defaultTextStyle>
@@ -200,10 +200,6 @@
 </p:presentation>
 </file>
 
-<file path=ppt/revisionInfo.xml><?xml version="1.0" encoding="utf-8"?>
-<p1510:revInfo xmlns:a="http://schemas.openxmlformats.org/drawingml/2006/main" xmlns:r="http://schemas.openxmlformats.org/officeDocument/2006/relationships" xmlns:p1510="http://schemas.microsoft.com/office/powerpoint/2015/10/main"/>
-</file>
-
 <file path=ppt/notesMasters/notesMaster1.xml><?xml version="1.0" encoding="utf-8"?>
 <p:notesMaster xmlns:a="http://schemas.openxmlformats.org/drawingml/2006/main" xmlns:r="http://schemas.openxmlformats.org/officeDocument/2006/relationships" xmlns:p="http://schemas.openxmlformats.org/presentationml/2006/main">
   <p:cSld>
@@ -301,7 +297,7 @@
               <a:pPr>
                 <a:defRPr/>
               </a:pPr>
-              <a:t>2018/2/5</a:t>
+              <a:t>2019/7/16</a:t>
             </a:fld>
             <a:endParaRPr lang="zh-CN" altLang="en-US"/>
           </a:p>
@@ -1103,7 +1099,7 @@
           <a:graphicData uri="http://schemas.openxmlformats.org/presentationml/2006/ole">
             <mc:AlternateContent xmlns:mc="http://schemas.openxmlformats.org/markup-compatibility/2006">
               <mc:Choice xmlns:v="urn:schemas-microsoft-com:vml" Requires="v">
-                <p:oleObj spid="_x0000_s47121" r:id="rId4" imgW="7222617" imgH="1138809" progId="">
+                <p:oleObj spid="_x0000_s47122" r:id="rId4" imgW="7222617" imgH="1138809" progId="">
                   <p:embed/>
                 </p:oleObj>
               </mc:Choice>
@@ -1426,7 +1422,7 @@
               <a:pPr>
                 <a:defRPr/>
               </a:pPr>
-              <a:t>2018/2/5</a:t>
+              <a:t>2019/7/16</a:t>
             </a:fld>
             <a:endParaRPr lang="zh-CN" altLang="en-US"/>
           </a:p>
@@ -1626,7 +1622,7 @@
               <a:pPr>
                 <a:defRPr/>
               </a:pPr>
-              <a:t>2018/2/5</a:t>
+              <a:t>2019/7/16</a:t>
             </a:fld>
             <a:endParaRPr lang="zh-CN" altLang="en-US"/>
           </a:p>
@@ -1764,7 +1760,7 @@
           <a:graphicData uri="http://schemas.openxmlformats.org/presentationml/2006/ole">
             <mc:AlternateContent xmlns:mc="http://schemas.openxmlformats.org/markup-compatibility/2006">
               <mc:Choice xmlns:v="urn:schemas-microsoft-com:vml" Requires="v">
-                <p:oleObj spid="_x0000_s52241" r:id="rId4" imgW="7222617" imgH="1138809" progId="">
+                <p:oleObj spid="_x0000_s52242" r:id="rId4" imgW="7222617" imgH="1138809" progId="">
                   <p:embed/>
                 </p:oleObj>
               </mc:Choice>
@@ -2169,7 +2165,7 @@
           <a:graphicData uri="http://schemas.openxmlformats.org/presentationml/2006/ole">
             <mc:AlternateContent xmlns:mc="http://schemas.openxmlformats.org/markup-compatibility/2006">
               <mc:Choice xmlns:v="urn:schemas-microsoft-com:vml" Requires="v">
-                <p:oleObj spid="_x0000_s48145" r:id="rId4" imgW="7222617" imgH="1138809" progId="">
+                <p:oleObj spid="_x0000_s48146" r:id="rId4" imgW="7222617" imgH="1138809" progId="">
                   <p:embed/>
                 </p:oleObj>
               </mc:Choice>
@@ -2541,7 +2537,7 @@
           <a:graphicData uri="http://schemas.openxmlformats.org/presentationml/2006/ole">
             <mc:AlternateContent xmlns:mc="http://schemas.openxmlformats.org/markup-compatibility/2006">
               <mc:Choice xmlns:v="urn:schemas-microsoft-com:vml" Requires="v">
-                <p:oleObj spid="_x0000_s49169" r:id="rId4" imgW="7222617" imgH="1138809" progId="">
+                <p:oleObj spid="_x0000_s49170" r:id="rId4" imgW="7222617" imgH="1138809" progId="">
                   <p:embed/>
                 </p:oleObj>
               </mc:Choice>
@@ -2897,7 +2893,7 @@
           <a:graphicData uri="http://schemas.openxmlformats.org/presentationml/2006/ole">
             <mc:AlternateContent xmlns:mc="http://schemas.openxmlformats.org/markup-compatibility/2006">
               <mc:Choice xmlns:v="urn:schemas-microsoft-com:vml" Requires="v">
-                <p:oleObj spid="_x0000_s50193" r:id="rId4" imgW="7222617" imgH="1138809" progId="">
+                <p:oleObj spid="_x0000_s50194" r:id="rId4" imgW="7222617" imgH="1138809" progId="">
                   <p:embed/>
                 </p:oleObj>
               </mc:Choice>
@@ -3294,7 +3290,7 @@
               <a:pPr>
                 <a:defRPr/>
               </a:pPr>
-              <a:t>2018/2/5</a:t>
+              <a:t>2019/7/16</a:t>
             </a:fld>
             <a:endParaRPr lang="zh-CN" altLang="en-US"/>
           </a:p>
@@ -3735,7 +3731,7 @@
               <a:pPr>
                 <a:defRPr/>
               </a:pPr>
-              <a:t>2018/2/5</a:t>
+              <a:t>2019/7/16</a:t>
             </a:fld>
             <a:endParaRPr lang="zh-CN" altLang="en-US"/>
           </a:p>
@@ -3873,7 +3869,7 @@
           <a:graphicData uri="http://schemas.openxmlformats.org/presentationml/2006/ole">
             <mc:AlternateContent xmlns:mc="http://schemas.openxmlformats.org/markup-compatibility/2006">
               <mc:Choice xmlns:v="urn:schemas-microsoft-com:vml" Requires="v">
-                <p:oleObj spid="_x0000_s51217" r:id="rId4" imgW="7222617" imgH="1138809" progId="">
+                <p:oleObj spid="_x0000_s51218" r:id="rId4" imgW="7222617" imgH="1138809" progId="">
                   <p:embed/>
                 </p:oleObj>
               </mc:Choice>
@@ -4102,7 +4098,7 @@
               <a:pPr>
                 <a:defRPr/>
               </a:pPr>
-              <a:t>2018/2/5</a:t>
+              <a:t>2019/7/16</a:t>
             </a:fld>
             <a:endParaRPr lang="zh-CN" altLang="en-US"/>
           </a:p>
@@ -4219,7 +4215,7 @@
               <a:pPr>
                 <a:defRPr/>
               </a:pPr>
-              <a:t>2018/2/5</a:t>
+              <a:t>2019/7/16</a:t>
             </a:fld>
             <a:endParaRPr lang="zh-CN" altLang="en-US"/>
           </a:p>
@@ -4516,7 +4512,7 @@
               <a:pPr>
                 <a:defRPr/>
               </a:pPr>
-              <a:t>2018/2/5</a:t>
+              <a:t>2019/7/16</a:t>
             </a:fld>
             <a:endParaRPr lang="zh-CN" altLang="en-US"/>
           </a:p>
@@ -4793,7 +4789,7 @@
               <a:pPr>
                 <a:defRPr/>
               </a:pPr>
-              <a:t>2018/2/5</a:t>
+              <a:t>2019/7/16</a:t>
             </a:fld>
             <a:endParaRPr lang="zh-CN" altLang="en-US"/>
           </a:p>
@@ -5081,7 +5077,7 @@
               <a:pPr>
                 <a:defRPr/>
               </a:pPr>
-              <a:t>2018/2/5</a:t>
+              <a:t>2019/7/16</a:t>
             </a:fld>
             <a:endParaRPr lang="zh-CN" altLang="en-US"/>
           </a:p>
@@ -5202,7 +5198,7 @@
           <a:graphicData uri="http://schemas.openxmlformats.org/presentationml/2006/ole">
             <mc:AlternateContent xmlns:mc="http://schemas.openxmlformats.org/markup-compatibility/2006">
               <mc:Choice xmlns:v="urn:schemas-microsoft-com:vml" Requires="v">
-                <p:oleObj spid="_x0000_s1041" r:id="rId16" imgW="7222617" imgH="1138809" progId="">
+                <p:oleObj spid="_x0000_s1042" r:id="rId16" imgW="7222617" imgH="1138809" progId="">
                   <p:embed/>
                 </p:oleObj>
               </mc:Choice>
@@ -10963,9 +10959,10 @@
               </a:buBlip>
             </a:pPr>
             <a:r>
-              <a:rPr lang="zh-CN" altLang="en-US" dirty="0"/>
-              <a:t>扩展练习</a:t>
-            </a:r>
+              <a:rPr lang="zh-CN" altLang="en-US"/>
+              <a:t>扩展练习 </a:t>
+            </a:r>
+            <a:endParaRPr lang="zh-CN" altLang="en-US" dirty="0"/>
           </a:p>
         </p:txBody>
       </p:sp>
